--- a/Spring Boot Resful Web Services.pptx
+++ b/Spring Boot Resful Web Services.pptx
@@ -6,6 +6,9 @@
   </p:sldMasterIdLst>
   <p:sldIdLst>
     <p:sldId id="256" r:id="rId2"/>
+    <p:sldId id="257" r:id="rId3"/>
+    <p:sldId id="258" r:id="rId4"/>
+    <p:sldId id="259" r:id="rId5"/>
   </p:sldIdLst>
   <p:sldSz cx="12192000" cy="6858000"/>
   <p:notesSz cx="6858000" cy="9144000"/>
@@ -104,6 +107,11 @@
       </a:defRPr>
     </a:lvl9pPr>
   </p:defaultTextStyle>
+  <p:extLst>
+    <p:ext uri="{EFAFB233-063F-42B5-8137-9DF3F51BA10A}">
+      <p15:sldGuideLst xmlns:p15="http://schemas.microsoft.com/office/powerpoint/2012/main"/>
+    </p:ext>
+  </p:extLst>
 </p:presentation>
 </file>
 
@@ -256,7 +264,7 @@
           <a:p>
             <a:fld id="{29656C90-8848-4D4D-BEDD-3F2421C772F2}" type="datetimeFigureOut">
               <a:rPr lang="en-IN" smtClean="0"/>
-              <a:t>19-10-2021</a:t>
+              <a:t>20-10-2021</a:t>
             </a:fld>
             <a:endParaRPr lang="en-IN"/>
           </a:p>
@@ -456,7 +464,7 @@
           <a:p>
             <a:fld id="{29656C90-8848-4D4D-BEDD-3F2421C772F2}" type="datetimeFigureOut">
               <a:rPr lang="en-IN" smtClean="0"/>
-              <a:t>19-10-2021</a:t>
+              <a:t>20-10-2021</a:t>
             </a:fld>
             <a:endParaRPr lang="en-IN"/>
           </a:p>
@@ -666,7 +674,7 @@
           <a:p>
             <a:fld id="{29656C90-8848-4D4D-BEDD-3F2421C772F2}" type="datetimeFigureOut">
               <a:rPr lang="en-IN" smtClean="0"/>
-              <a:t>19-10-2021</a:t>
+              <a:t>20-10-2021</a:t>
             </a:fld>
             <a:endParaRPr lang="en-IN"/>
           </a:p>
@@ -866,7 +874,7 @@
           <a:p>
             <a:fld id="{29656C90-8848-4D4D-BEDD-3F2421C772F2}" type="datetimeFigureOut">
               <a:rPr lang="en-IN" smtClean="0"/>
-              <a:t>19-10-2021</a:t>
+              <a:t>20-10-2021</a:t>
             </a:fld>
             <a:endParaRPr lang="en-IN"/>
           </a:p>
@@ -1142,7 +1150,7 @@
           <a:p>
             <a:fld id="{29656C90-8848-4D4D-BEDD-3F2421C772F2}" type="datetimeFigureOut">
               <a:rPr lang="en-IN" smtClean="0"/>
-              <a:t>19-10-2021</a:t>
+              <a:t>20-10-2021</a:t>
             </a:fld>
             <a:endParaRPr lang="en-IN"/>
           </a:p>
@@ -1410,7 +1418,7 @@
           <a:p>
             <a:fld id="{29656C90-8848-4D4D-BEDD-3F2421C772F2}" type="datetimeFigureOut">
               <a:rPr lang="en-IN" smtClean="0"/>
-              <a:t>19-10-2021</a:t>
+              <a:t>20-10-2021</a:t>
             </a:fld>
             <a:endParaRPr lang="en-IN"/>
           </a:p>
@@ -1825,7 +1833,7 @@
           <a:p>
             <a:fld id="{29656C90-8848-4D4D-BEDD-3F2421C772F2}" type="datetimeFigureOut">
               <a:rPr lang="en-IN" smtClean="0"/>
-              <a:t>19-10-2021</a:t>
+              <a:t>20-10-2021</a:t>
             </a:fld>
             <a:endParaRPr lang="en-IN"/>
           </a:p>
@@ -1967,7 +1975,7 @@
           <a:p>
             <a:fld id="{29656C90-8848-4D4D-BEDD-3F2421C772F2}" type="datetimeFigureOut">
               <a:rPr lang="en-IN" smtClean="0"/>
-              <a:t>19-10-2021</a:t>
+              <a:t>20-10-2021</a:t>
             </a:fld>
             <a:endParaRPr lang="en-IN"/>
           </a:p>
@@ -2080,7 +2088,7 @@
           <a:p>
             <a:fld id="{29656C90-8848-4D4D-BEDD-3F2421C772F2}" type="datetimeFigureOut">
               <a:rPr lang="en-IN" smtClean="0"/>
-              <a:t>19-10-2021</a:t>
+              <a:t>20-10-2021</a:t>
             </a:fld>
             <a:endParaRPr lang="en-IN"/>
           </a:p>
@@ -2393,7 +2401,7 @@
           <a:p>
             <a:fld id="{29656C90-8848-4D4D-BEDD-3F2421C772F2}" type="datetimeFigureOut">
               <a:rPr lang="en-IN" smtClean="0"/>
-              <a:t>19-10-2021</a:t>
+              <a:t>20-10-2021</a:t>
             </a:fld>
             <a:endParaRPr lang="en-IN"/>
           </a:p>
@@ -2682,7 +2690,7 @@
           <a:p>
             <a:fld id="{29656C90-8848-4D4D-BEDD-3F2421C772F2}" type="datetimeFigureOut">
               <a:rPr lang="en-IN" smtClean="0"/>
-              <a:t>19-10-2021</a:t>
+              <a:t>20-10-2021</a:t>
             </a:fld>
             <a:endParaRPr lang="en-IN"/>
           </a:p>
@@ -2925,7 +2933,7 @@
           <a:p>
             <a:fld id="{29656C90-8848-4D4D-BEDD-3F2421C772F2}" type="datetimeFigureOut">
               <a:rPr lang="en-IN" smtClean="0"/>
-              <a:t>19-10-2021</a:t>
+              <a:t>20-10-2021</a:t>
             </a:fld>
             <a:endParaRPr lang="en-IN"/>
           </a:p>
@@ -3421,6 +3429,358 @@
 </p:sld>
 </file>
 
+<file path=ppt/slides/slide2.xml><?xml version="1.0" encoding="utf-8"?>
+<p:sld xmlns:a="http://schemas.openxmlformats.org/drawingml/2006/main" xmlns:r="http://schemas.openxmlformats.org/officeDocument/2006/relationships" xmlns:p="http://schemas.openxmlformats.org/presentationml/2006/main">
+  <p:cSld>
+    <p:spTree>
+      <p:nvGrpSpPr>
+        <p:cNvPr id="1" name=""/>
+        <p:cNvGrpSpPr/>
+        <p:nvPr/>
+      </p:nvGrpSpPr>
+      <p:grpSpPr>
+        <a:xfrm>
+          <a:off x="0" y="0"/>
+          <a:ext cx="0" cy="0"/>
+          <a:chOff x="0" y="0"/>
+          <a:chExt cx="0" cy="0"/>
+        </a:xfrm>
+      </p:grpSpPr>
+      <p:sp>
+        <p:nvSpPr>
+          <p:cNvPr id="2" name="Title 1">
+            <a:extLst>
+              <a:ext uri="{FF2B5EF4-FFF2-40B4-BE49-F238E27FC236}">
+                <a16:creationId xmlns:a16="http://schemas.microsoft.com/office/drawing/2014/main" id="{D57A7BC1-70A2-4030-8BFE-CA1C0EA4F1AD}"/>
+              </a:ext>
+            </a:extLst>
+          </p:cNvPr>
+          <p:cNvSpPr>
+            <a:spLocks noGrp="1"/>
+          </p:cNvSpPr>
+          <p:nvPr>
+            <p:ph type="title"/>
+          </p:nvPr>
+        </p:nvSpPr>
+        <p:spPr/>
+        <p:txBody>
+          <a:bodyPr/>
+          <a:lstStyle/>
+          <a:p>
+            <a:r>
+              <a:rPr lang="en-US" dirty="0"/>
+              <a:t>Type of </a:t>
+            </a:r>
+            <a:r>
+              <a:rPr lang="en-US" dirty="0" err="1"/>
+              <a:t>WebService</a:t>
+            </a:r>
+            <a:r>
+              <a:rPr lang="en-US" dirty="0"/>
+              <a:t>	</a:t>
+            </a:r>
+            <a:endParaRPr lang="en-IN" dirty="0"/>
+          </a:p>
+        </p:txBody>
+      </p:sp>
+      <p:sp>
+        <p:nvSpPr>
+          <p:cNvPr id="3" name="Content Placeholder 2">
+            <a:extLst>
+              <a:ext uri="{FF2B5EF4-FFF2-40B4-BE49-F238E27FC236}">
+                <a16:creationId xmlns:a16="http://schemas.microsoft.com/office/drawing/2014/main" id="{CE1A1DA5-6AC8-4D00-BA2E-2B39FBAA089D}"/>
+              </a:ext>
+            </a:extLst>
+          </p:cNvPr>
+          <p:cNvSpPr>
+            <a:spLocks noGrp="1"/>
+          </p:cNvSpPr>
+          <p:nvPr>
+            <p:ph idx="1"/>
+          </p:nvPr>
+        </p:nvSpPr>
+        <p:spPr/>
+        <p:txBody>
+          <a:bodyPr>
+            <a:normAutofit lnSpcReduction="10000"/>
+          </a:bodyPr>
+          <a:lstStyle/>
+          <a:p>
+            <a:r>
+              <a:rPr lang="en-US" dirty="0"/>
+              <a:t>1. SOAP based web Service</a:t>
+            </a:r>
+          </a:p>
+          <a:p>
+            <a:r>
+              <a:rPr lang="en-US" dirty="0"/>
+              <a:t>A) JAX–RPC (Java API for XML -  Remote Procedure </a:t>
+            </a:r>
+            <a:r>
+              <a:rPr lang="en-US" dirty="0" err="1"/>
+              <a:t>cal</a:t>
+            </a:r>
+            <a:r>
+              <a:rPr lang="en-US" dirty="0"/>
+              <a:t>)</a:t>
+            </a:r>
+          </a:p>
+          <a:p>
+            <a:r>
+              <a:rPr lang="en-US" dirty="0"/>
+              <a:t>B) JAX-WS (Java API for XML Web Service)</a:t>
+            </a:r>
+          </a:p>
+          <a:p>
+            <a:r>
+              <a:rPr lang="en-US" dirty="0"/>
+              <a:t>To learn SOAP Web Service we need JAX-RPC and JAX -WS</a:t>
+            </a:r>
+            <a:endParaRPr lang="en-IN" dirty="0"/>
+          </a:p>
+          <a:p>
+            <a:endParaRPr lang="en-US" dirty="0"/>
+          </a:p>
+          <a:p>
+            <a:r>
+              <a:rPr lang="en-US" dirty="0"/>
+              <a:t>2. REST Web Services</a:t>
+            </a:r>
+          </a:p>
+          <a:p>
+            <a:r>
+              <a:rPr lang="en-US" dirty="0"/>
+              <a:t>A) JAX-RS (Java API for </a:t>
+            </a:r>
+            <a:r>
+              <a:rPr lang="en-US" dirty="0" err="1"/>
+              <a:t>RESTFul</a:t>
+            </a:r>
+            <a:r>
+              <a:rPr lang="en-US" dirty="0"/>
+              <a:t> Web Services)</a:t>
+            </a:r>
+          </a:p>
+          <a:p>
+            <a:endParaRPr lang="en-US" dirty="0"/>
+          </a:p>
+          <a:p>
+            <a:r>
+              <a:rPr lang="en-US" dirty="0"/>
+              <a:t>To learn REST Web Service we need JAX-RS</a:t>
+            </a:r>
+            <a:endParaRPr lang="en-IN" dirty="0"/>
+          </a:p>
+        </p:txBody>
+      </p:sp>
+    </p:spTree>
+    <p:extLst>
+      <p:ext uri="{BB962C8B-B14F-4D97-AF65-F5344CB8AC3E}">
+        <p14:creationId xmlns:p14="http://schemas.microsoft.com/office/powerpoint/2010/main" val="4274989612"/>
+      </p:ext>
+    </p:extLst>
+  </p:cSld>
+  <p:clrMapOvr>
+    <a:masterClrMapping/>
+  </p:clrMapOvr>
+</p:sld>
+</file>
+
+<file path=ppt/slides/slide3.xml><?xml version="1.0" encoding="utf-8"?>
+<p:sld xmlns:a="http://schemas.openxmlformats.org/drawingml/2006/main" xmlns:r="http://schemas.openxmlformats.org/officeDocument/2006/relationships" xmlns:p="http://schemas.openxmlformats.org/presentationml/2006/main">
+  <p:cSld>
+    <p:spTree>
+      <p:nvGrpSpPr>
+        <p:cNvPr id="1" name=""/>
+        <p:cNvGrpSpPr/>
+        <p:nvPr/>
+      </p:nvGrpSpPr>
+      <p:grpSpPr>
+        <a:xfrm>
+          <a:off x="0" y="0"/>
+          <a:ext cx="0" cy="0"/>
+          <a:chOff x="0" y="0"/>
+          <a:chExt cx="0" cy="0"/>
+        </a:xfrm>
+      </p:grpSpPr>
+      <p:sp>
+        <p:nvSpPr>
+          <p:cNvPr id="2" name="Title 1">
+            <a:extLst>
+              <a:ext uri="{FF2B5EF4-FFF2-40B4-BE49-F238E27FC236}">
+                <a16:creationId xmlns:a16="http://schemas.microsoft.com/office/drawing/2014/main" id="{57CEAFA0-A972-4192-9B99-94EB5CFC4F23}"/>
+              </a:ext>
+            </a:extLst>
+          </p:cNvPr>
+          <p:cNvSpPr>
+            <a:spLocks noGrp="1"/>
+          </p:cNvSpPr>
+          <p:nvPr>
+            <p:ph type="title"/>
+          </p:nvPr>
+        </p:nvSpPr>
+        <p:spPr/>
+        <p:txBody>
+          <a:bodyPr/>
+          <a:lstStyle/>
+          <a:p>
+            <a:r>
+              <a:rPr lang="en-US" dirty="0"/>
+              <a:t>Below are the web service specifications provided by sun Microsystem</a:t>
+            </a:r>
+            <a:endParaRPr lang="en-IN" dirty="0"/>
+          </a:p>
+        </p:txBody>
+      </p:sp>
+      <p:sp>
+        <p:nvSpPr>
+          <p:cNvPr id="3" name="Content Placeholder 2">
+            <a:extLst>
+              <a:ext uri="{FF2B5EF4-FFF2-40B4-BE49-F238E27FC236}">
+                <a16:creationId xmlns:a16="http://schemas.microsoft.com/office/drawing/2014/main" id="{A2C34353-09C3-4047-A2EF-EFDA537039BD}"/>
+              </a:ext>
+            </a:extLst>
+          </p:cNvPr>
+          <p:cNvSpPr>
+            <a:spLocks noGrp="1"/>
+          </p:cNvSpPr>
+          <p:nvPr>
+            <p:ph idx="1"/>
+          </p:nvPr>
+        </p:nvSpPr>
+        <p:spPr/>
+        <p:txBody>
+          <a:bodyPr/>
+          <a:lstStyle/>
+          <a:p>
+            <a:r>
+              <a:rPr lang="en-US" dirty="0"/>
+              <a:t>JAX-RPC (API) – JDK 1.4 – SOAP</a:t>
+            </a:r>
+          </a:p>
+          <a:p>
+            <a:r>
+              <a:rPr lang="en-US" dirty="0"/>
+              <a:t>JAX-M (API) – JDK 1.4 – asynchronous</a:t>
+            </a:r>
+          </a:p>
+          <a:p>
+            <a:r>
+              <a:rPr lang="en-US" dirty="0"/>
+              <a:t>JAX-WS (API) – JDK 1.5 – SOAP</a:t>
+            </a:r>
+          </a:p>
+          <a:p>
+            <a:r>
+              <a:rPr lang="en-US" dirty="0"/>
+              <a:t>JAX-RS (API) – JDK 1.6 –REST</a:t>
+            </a:r>
+          </a:p>
+          <a:p>
+            <a:endParaRPr lang="en-US" dirty="0"/>
+          </a:p>
+          <a:p>
+            <a:r>
+              <a:rPr lang="en-US" dirty="0"/>
+              <a:t>Using above APIs We can develop two kind of web services one is synchronous and another is asynchronous</a:t>
+            </a:r>
+            <a:endParaRPr lang="en-IN" dirty="0"/>
+          </a:p>
+        </p:txBody>
+      </p:sp>
+    </p:spTree>
+    <p:extLst>
+      <p:ext uri="{BB962C8B-B14F-4D97-AF65-F5344CB8AC3E}">
+        <p14:creationId xmlns:p14="http://schemas.microsoft.com/office/powerpoint/2010/main" val="2652051495"/>
+      </p:ext>
+    </p:extLst>
+  </p:cSld>
+  <p:clrMapOvr>
+    <a:masterClrMapping/>
+  </p:clrMapOvr>
+</p:sld>
+</file>
+
+<file path=ppt/slides/slide4.xml><?xml version="1.0" encoding="utf-8"?>
+<p:sld xmlns:a="http://schemas.openxmlformats.org/drawingml/2006/main" xmlns:r="http://schemas.openxmlformats.org/officeDocument/2006/relationships" xmlns:p="http://schemas.openxmlformats.org/presentationml/2006/main">
+  <p:cSld>
+    <p:spTree>
+      <p:nvGrpSpPr>
+        <p:cNvPr id="1" name=""/>
+        <p:cNvGrpSpPr/>
+        <p:nvPr/>
+      </p:nvGrpSpPr>
+      <p:grpSpPr>
+        <a:xfrm>
+          <a:off x="0" y="0"/>
+          <a:ext cx="0" cy="0"/>
+          <a:chOff x="0" y="0"/>
+          <a:chExt cx="0" cy="0"/>
+        </a:xfrm>
+      </p:grpSpPr>
+      <p:sp>
+        <p:nvSpPr>
+          <p:cNvPr id="2" name="Title 1">
+            <a:extLst>
+              <a:ext uri="{FF2B5EF4-FFF2-40B4-BE49-F238E27FC236}">
+                <a16:creationId xmlns:a16="http://schemas.microsoft.com/office/drawing/2014/main" id="{FCB9FABD-F67F-447A-8270-CB97127D56A5}"/>
+              </a:ext>
+            </a:extLst>
+          </p:cNvPr>
+          <p:cNvSpPr>
+            <a:spLocks noGrp="1"/>
+          </p:cNvSpPr>
+          <p:nvPr>
+            <p:ph type="title"/>
+          </p:nvPr>
+        </p:nvSpPr>
+        <p:spPr/>
+        <p:txBody>
+          <a:bodyPr/>
+          <a:lstStyle/>
+          <a:p>
+            <a:endParaRPr lang="en-IN"/>
+          </a:p>
+        </p:txBody>
+      </p:sp>
+      <p:sp>
+        <p:nvSpPr>
+          <p:cNvPr id="3" name="Content Placeholder 2">
+            <a:extLst>
+              <a:ext uri="{FF2B5EF4-FFF2-40B4-BE49-F238E27FC236}">
+                <a16:creationId xmlns:a16="http://schemas.microsoft.com/office/drawing/2014/main" id="{687CC739-07AB-4D4D-83E1-A07F7C32288F}"/>
+              </a:ext>
+            </a:extLst>
+          </p:cNvPr>
+          <p:cNvSpPr>
+            <a:spLocks noGrp="1"/>
+          </p:cNvSpPr>
+          <p:nvPr>
+            <p:ph idx="1"/>
+          </p:nvPr>
+        </p:nvSpPr>
+        <p:spPr/>
+        <p:txBody>
+          <a:bodyPr/>
+          <a:lstStyle/>
+          <a:p>
+            <a:endParaRPr lang="en-IN"/>
+          </a:p>
+        </p:txBody>
+      </p:sp>
+    </p:spTree>
+    <p:extLst>
+      <p:ext uri="{BB962C8B-B14F-4D97-AF65-F5344CB8AC3E}">
+        <p14:creationId xmlns:p14="http://schemas.microsoft.com/office/powerpoint/2010/main" val="3682626035"/>
+      </p:ext>
+    </p:extLst>
+  </p:cSld>
+  <p:clrMapOvr>
+    <a:masterClrMapping/>
+  </p:clrMapOvr>
+</p:sld>
+</file>
+
 <file path=ppt/theme/theme1.xml><?xml version="1.0" encoding="utf-8"?>
 <a:theme xmlns:a="http://schemas.openxmlformats.org/drawingml/2006/main" name="Office Theme">
   <a:themeElements>
